--- a/rsc/xtrem-reading-facilitator-guide.pptx
+++ b/rsc/xtrem-reading-facilitator-guide.pptx
@@ -6809,7 +6809,7 @@
           <a:p>
             <a:fld id="{E225D024-A1EC-BD41-A90F-B3067C52C12D}" type="datetimeFigureOut">
               <a:rPr lang="fr-FR" smtClean="0"/>
-              <a:t>14/08/2019</a:t>
+              <a:t>18/09/2019</a:t>
             </a:fld>
             <a:endParaRPr lang="fr-FR"/>
           </a:p>
@@ -6986,7 +6986,7 @@
           <a:p>
             <a:fld id="{10E0DC85-813A-4C3C-AFB1-B2E9C160A10D}" type="datetimeFigureOut">
               <a:rPr lang="fr-FR" smtClean="0"/>
-              <a:t>14/08/2019</a:t>
+              <a:t>18/09/2019</a:t>
             </a:fld>
             <a:endParaRPr lang="fr-FR"/>
           </a:p>
@@ -9205,14 +9205,6 @@
 <file path=ppt/slides/slide1.xml><?xml version="1.0" encoding="utf-8"?>
 <p:sld xmlns:a="http://schemas.openxmlformats.org/drawingml/2006/main" xmlns:r="http://schemas.openxmlformats.org/officeDocument/2006/relationships" xmlns:p="http://schemas.openxmlformats.org/presentationml/2006/main" showMasterSp="0">
   <p:cSld>
-    <p:bg>
-      <p:bgPr>
-        <a:solidFill>
-          <a:srgbClr val="162F4B"/>
-        </a:solidFill>
-        <a:effectLst/>
-      </p:bgPr>
-    </p:bg>
     <p:spTree>
       <p:nvGrpSpPr>
         <p:cNvPr id="1" name=""/>
@@ -9241,8 +9233,8 @@
         </p:nvSpPr>
         <p:spPr>
           <a:xfrm>
-            <a:off x="4651611" y="212568"/>
-            <a:ext cx="7540389" cy="1938992"/>
+            <a:off x="6472186" y="3244750"/>
+            <a:ext cx="5968181" cy="830997"/>
           </a:xfrm>
           <a:prstGeom prst="rect">
             <a:avLst/>
@@ -9254,9 +9246,8 @@
           </a:bodyPr>
           <a:lstStyle/>
           <a:p>
-            <a:pPr algn="ctr"/>
             <a:r>
-              <a:rPr lang="en-US" sz="4000" b="1" dirty="0">
+              <a:rPr lang="en-US" sz="2400" b="1" dirty="0">
                 <a:solidFill>
                   <a:schemeClr val="bg1"/>
                 </a:solidFill>
@@ -9267,9 +9258,8 @@
             </a:r>
           </a:p>
           <a:p>
-            <a:pPr algn="ctr"/>
             <a:r>
-              <a:rPr lang="en-US" sz="4000" b="1" dirty="0">
+              <a:rPr lang="en-US" sz="2400" b="1" dirty="0">
                 <a:solidFill>
                   <a:schemeClr val="bg1"/>
                 </a:solidFill>
@@ -9283,10 +9273,10 @@
       </p:sp>
       <p:pic>
         <p:nvPicPr>
-          <p:cNvPr id="6" name="Picture 5">
+          <p:cNvPr id="10" name="Picture 9">
             <a:extLst>
               <a:ext uri="{FF2B5EF4-FFF2-40B4-BE49-F238E27FC236}">
-                <a16:creationId xmlns:a16="http://schemas.microsoft.com/office/drawing/2014/main" id="{46AD1165-CAA2-49E2-82E9-EC3D2A655744}"/>
+                <a16:creationId xmlns:a16="http://schemas.microsoft.com/office/drawing/2014/main" id="{ECA202C3-38C7-4174-84CE-D5C18424A894}"/>
               </a:ext>
             </a:extLst>
           </p:cNvPr>
@@ -9303,20 +9293,61 @@
         </p:blipFill>
         <p:spPr>
           <a:xfrm>
-            <a:off x="7038743" y="2443441"/>
-            <a:ext cx="2766124" cy="2766124"/>
+            <a:off x="245570" y="368820"/>
+            <a:ext cx="6010665" cy="6408064"/>
           </a:xfrm>
           <a:prstGeom prst="rect">
             <a:avLst/>
           </a:prstGeom>
         </p:spPr>
       </p:pic>
+      <p:sp>
+        <p:nvSpPr>
+          <p:cNvPr id="12" name="Rectangle 11">
+            <a:extLst>
+              <a:ext uri="{FF2B5EF4-FFF2-40B4-BE49-F238E27FC236}">
+                <a16:creationId xmlns:a16="http://schemas.microsoft.com/office/drawing/2014/main" id="{9CD0E5A6-47BB-4246-A424-0B5D2CCF0C51}"/>
+              </a:ext>
+            </a:extLst>
+          </p:cNvPr>
+          <p:cNvSpPr/>
+          <p:nvPr/>
+        </p:nvSpPr>
+        <p:spPr>
+          <a:xfrm>
+            <a:off x="6472186" y="2192422"/>
+            <a:ext cx="4062331" cy="923330"/>
+          </a:xfrm>
+          <a:prstGeom prst="rect">
+            <a:avLst/>
+          </a:prstGeom>
+        </p:spPr>
+        <p:txBody>
+          <a:bodyPr wrap="none">
+            <a:spAutoFit/>
+          </a:bodyPr>
+          <a:lstStyle/>
+          <a:p>
+            <a:r>
+              <a:rPr lang="en-US" sz="5400" b="1" dirty="0">
+                <a:solidFill>
+                  <a:schemeClr val="bg1"/>
+                </a:solidFill>
+                <a:latin typeface="Caveat Brush" pitchFamily="2" charset="0"/>
+                <a:cs typeface="Calibri Light" panose="020F0302020204030204" pitchFamily="34" charset="0"/>
+              </a:rPr>
+              <a:t>TREM READING</a:t>
+            </a:r>
+            <a:endParaRPr lang="en-US" sz="5400" dirty="0"/>
+          </a:p>
+        </p:txBody>
+      </p:sp>
       <p:pic>
         <p:nvPicPr>
-          <p:cNvPr id="8" name="Picture 7">
+          <p:cNvPr id="13" name="Picture 12">
             <a:extLst>
               <a:ext uri="{FF2B5EF4-FFF2-40B4-BE49-F238E27FC236}">
-                <a16:creationId xmlns:a16="http://schemas.microsoft.com/office/drawing/2014/main" id="{47AC3EB4-897A-4FEF-A1F0-992179B36FB0}"/>
+                <a16:creationId xmlns:a16="http://schemas.microsoft.com/office/drawing/2014/main" id="{D92CABBA-1C15-41A1-BA22-8394A527484E}"/>
               </a:ext>
             </a:extLst>
           </p:cNvPr>
@@ -9333,57 +9364,12 @@
         </p:blipFill>
         <p:spPr>
           <a:xfrm>
-            <a:off x="-65617" y="-16198"/>
-            <a:ext cx="4717228" cy="6874198"/>
+            <a:off x="7809015" y="4967041"/>
+            <a:ext cx="1500137" cy="1500137"/>
           </a:xfrm>
           <a:prstGeom prst="rect">
             <a:avLst/>
           </a:prstGeom>
-          <a:noFill/>
-          <a:effectLst>
-            <a:outerShdw blurRad="76200" dir="13500000" sy="23000" kx="1200000" algn="br" rotWithShape="0">
-              <a:prstClr val="black">
-                <a:alpha val="20000"/>
-              </a:prstClr>
-            </a:outerShdw>
-          </a:effectLst>
-        </p:spPr>
-      </p:pic>
-      <p:pic>
-        <p:nvPicPr>
-          <p:cNvPr id="5" name="Image 11">
-            <a:extLst>
-              <a:ext uri="{FF2B5EF4-FFF2-40B4-BE49-F238E27FC236}">
-                <a16:creationId xmlns:a16="http://schemas.microsoft.com/office/drawing/2014/main" id="{0428D691-0C9F-4E74-AF38-05695B2AAA46}"/>
-              </a:ext>
-            </a:extLst>
-          </p:cNvPr>
-          <p:cNvPicPr>
-            <a:picLocks noChangeAspect="1"/>
-          </p:cNvPicPr>
-          <p:nvPr/>
-        </p:nvPicPr>
-        <p:blipFill>
-          <a:blip r:embed="rId5" cstate="print">
-            <a:extLst>
-              <a:ext uri="{28A0092B-C50C-407E-A947-70E740481C1C}">
-                <a14:useLocalDpi xmlns:a14="http://schemas.microsoft.com/office/drawing/2010/main"/>
-              </a:ext>
-            </a:extLst>
-          </a:blip>
-          <a:stretch>
-            <a:fillRect/>
-          </a:stretch>
-        </p:blipFill>
-        <p:spPr>
-          <a:xfrm>
-            <a:off x="6772909" y="5664496"/>
-            <a:ext cx="3337609" cy="1077218"/>
-          </a:xfrm>
-          <a:prstGeom prst="rect">
-            <a:avLst/>
-          </a:prstGeom>
-          <a:noFill/>
         </p:spPr>
       </p:pic>
     </p:spTree>
@@ -13052,6 +13038,15 @@
 </file>
 
 <file path=customXml/item1.xml><?xml version="1.0" encoding="utf-8"?>
+<?mso-contentType ?>
+<FormTemplates xmlns="http://schemas.microsoft.com/sharepoint/v3/contenttype/forms">
+  <Display>DocumentLibraryForm</Display>
+  <Edit>DocumentLibraryForm</Edit>
+  <New>DocumentLibraryForm</New>
+</FormTemplates>
+</file>
+
+<file path=customXml/item2.xml><?xml version="1.0" encoding="utf-8"?>
 <p:properties xmlns:p="http://schemas.microsoft.com/office/2006/metadata/properties" xmlns:xsi="http://www.w3.org/2001/XMLSchema-instance" xmlns:pc="http://schemas.microsoft.com/office/infopath/2007/PartnerControls">
   <documentManagement>
     <Employe xmlns="d0839297-3c7f-4291-943e-92282c99647b">
@@ -13064,15 +13059,6 @@
     <j33b1bc20532487296f1bbbdead35a56 xmlns="90d9630f-89b6-4cca-bb5c-189637660e11" xsi:nil="true"/>
   </documentManagement>
 </p:properties>
-</file>
-
-<file path=customXml/item2.xml><?xml version="1.0" encoding="utf-8"?>
-<?mso-contentType ?>
-<FormTemplates xmlns="http://schemas.microsoft.com/sharepoint/v3/contenttype/forms">
-  <Display>DocumentLibraryForm</Display>
-  <Edit>DocumentLibraryForm</Edit>
-  <New>DocumentLibraryForm</New>
-</FormTemplates>
 </file>
 
 <file path=customXml/item3.xml><?xml version="1.0" encoding="utf-8"?>
@@ -13318,6 +13304,14 @@
 </file>
 
 <file path=customXml/itemProps1.xml><?xml version="1.0" encoding="utf-8"?>
+<ds:datastoreItem xmlns:ds="http://schemas.openxmlformats.org/officeDocument/2006/customXml" ds:itemID="{C9EA0F7D-7CDB-4983-8726-2E9978D50476}">
+  <ds:schemaRefs>
+    <ds:schemaRef ds:uri="http://schemas.microsoft.com/sharepoint/v3/contenttype/forms"/>
+  </ds:schemaRefs>
+</ds:datastoreItem>
+</file>
+
+<file path=customXml/itemProps2.xml><?xml version="1.0" encoding="utf-8"?>
 <ds:datastoreItem xmlns:ds="http://schemas.openxmlformats.org/officeDocument/2006/customXml" ds:itemID="{A9F32EE4-6368-42EF-89C1-48EB38C38F44}">
   <ds:schemaRefs>
     <ds:schemaRef ds:uri="http://purl.org/dc/terms/"/>
@@ -13331,14 +13325,6 @@
     <ds:schemaRef ds:uri="http://schemas.openxmlformats.org/package/2006/metadata/core-properties"/>
     <ds:schemaRef ds:uri="d0839297-3c7f-4291-943e-92282c99647b"/>
     <ds:schemaRef ds:uri="http://schemas.microsoft.com/office/2006/metadata/properties"/>
-  </ds:schemaRefs>
-</ds:datastoreItem>
-</file>
-
-<file path=customXml/itemProps2.xml><?xml version="1.0" encoding="utf-8"?>
-<ds:datastoreItem xmlns:ds="http://schemas.openxmlformats.org/officeDocument/2006/customXml" ds:itemID="{C9EA0F7D-7CDB-4983-8726-2E9978D50476}">
-  <ds:schemaRefs>
-    <ds:schemaRef ds:uri="http://schemas.microsoft.com/sharepoint/v3/contenttype/forms"/>
   </ds:schemaRefs>
 </ds:datastoreItem>
 </file>
